--- a/CircularPie/Final Presentation/9. ActivityDiagram-(UML).pptx
+++ b/CircularPie/Final Presentation/9. ActivityDiagram-(UML).pptx
@@ -246,7 +246,7 @@
       <p15:sldGuideLst xmlns:p15="http://schemas.microsoft.com/office/powerpoint/2012/main"/>
     </p:ext>
     <p:ext uri="http://customooxmlschemas.google.com/">
-      <go:slidesCustomData xmlns="" xmlns:mc="http://schemas.openxmlformats.org/markup-compatibility/2006" xmlns:mv="urn:schemas-microsoft-com:mac:vml" xmlns:c="http://schemas.openxmlformats.org/drawingml/2006/chart" xmlns:dgm="http://schemas.openxmlformats.org/drawingml/2006/diagram" xmlns:o="urn:schemas-microsoft-com:office:office" xmlns:v="urn:schemas-microsoft-com:vml" xmlns:pvml="urn:schemas-microsoft-com:office:powerpoint" xmlns:com="http://schemas.openxmlformats.org/drawingml/2006/compatibility" xmlns:p14="http://schemas.microsoft.com/office/powerpoint/2010/main" xmlns:p15="http://schemas.microsoft.com/office/powerpoint/2012/main" xmlns:ahyp="http://schemas.microsoft.com/office/drawing/2018/hyperlinkcolor" xmlns:go="http://customooxmlschemas.google.com/" r:id="rId8" roundtripDataSignature="AMtx7mixxSev4a8vdbEfGmMDr6YJQZvoaw=="/>
+      <go:slidesCustomData xmlns:go="http://customooxmlschemas.google.com/" xmlns:ahyp="http://schemas.microsoft.com/office/drawing/2018/hyperlinkcolor" xmlns:p15="http://schemas.microsoft.com/office/powerpoint/2012/main" xmlns:p14="http://schemas.microsoft.com/office/powerpoint/2010/main" xmlns:com="http://schemas.openxmlformats.org/drawingml/2006/compatibility" xmlns:pvml="urn:schemas-microsoft-com:office:powerpoint" xmlns:v="urn:schemas-microsoft-com:vml" xmlns:o="urn:schemas-microsoft-com:office:office" xmlns:dgm="http://schemas.openxmlformats.org/drawingml/2006/diagram" xmlns:c="http://schemas.openxmlformats.org/drawingml/2006/chart" xmlns:mv="urn:schemas-microsoft-com:mac:vml" xmlns:mc="http://schemas.openxmlformats.org/markup-compatibility/2006" xmlns="" r:id="rId8" roundtripDataSignature="AMtx7mixxSev4a8vdbEfGmMDr6YJQZvoaw=="/>
     </p:ext>
   </p:extLst>
 </p:presentation>
@@ -10644,13 +10644,13 @@
           <p:nvPr>
             <p:extLst>
               <p:ext uri="{D42A27DB-BD31-4B8C-83A1-F6EECF244321}">
-                <p14:modId xmlns:p14="http://schemas.microsoft.com/office/powerpoint/2010/main" val="3592852449"/>
+                <p14:modId xmlns:p14="http://schemas.microsoft.com/office/powerpoint/2010/main" val="753744768"/>
               </p:ext>
             </p:extLst>
           </p:nvPr>
         </p:nvGraphicFramePr>
         <p:xfrm>
-          <a:off x="623801" y="464367"/>
+          <a:off x="602526" y="542076"/>
           <a:ext cx="11187915" cy="6317687"/>
         </p:xfrm>
         <a:graphic>
@@ -11294,7 +11294,7 @@
           <a:prstGeom prst="bentConnector4">
             <a:avLst>
               <a:gd name="adj1" fmla="val 38218"/>
-              <a:gd name="adj2" fmla="val 726591"/>
+              <a:gd name="adj2" fmla="val 501176"/>
             </a:avLst>
           </a:prstGeom>
           <a:noFill/>
@@ -11317,7 +11317,7 @@
         </p:nvSpPr>
         <p:spPr>
           <a:xfrm>
-            <a:off x="2141379" y="2978007"/>
+            <a:off x="1992840" y="2989955"/>
             <a:ext cx="806475" cy="403238"/>
           </a:xfrm>
           <a:prstGeom prst="roundRect">
@@ -11369,7 +11369,7 @@
         </p:nvSpPr>
         <p:spPr>
           <a:xfrm>
-            <a:off x="4465038" y="2842506"/>
+            <a:off x="4789555" y="3849917"/>
             <a:ext cx="675284" cy="403237"/>
           </a:xfrm>
           <a:prstGeom prst="roundRect">
@@ -11421,7 +11421,7 @@
         </p:nvSpPr>
         <p:spPr>
           <a:xfrm>
-            <a:off x="5571968" y="3564059"/>
+            <a:off x="5188624" y="3002077"/>
             <a:ext cx="920543" cy="469012"/>
           </a:xfrm>
           <a:prstGeom prst="roundRect">
@@ -11467,44 +11467,6 @@
       </p:sp>
       <p:cxnSp>
         <p:nvCxnSpPr>
-          <p:cNvPr id="13" name="Google Shape;127;g214e1b07047_1_0">
-            <a:extLst>
-              <a:ext uri="{FF2B5EF4-FFF2-40B4-BE49-F238E27FC236}">
-                <a16:creationId xmlns:a16="http://schemas.microsoft.com/office/drawing/2014/main" id="{F22016D7-B581-A75A-EFE1-39E280FBD7C9}"/>
-              </a:ext>
-            </a:extLst>
-          </p:cNvPr>
-          <p:cNvCxnSpPr>
-            <a:cxnSpLocks/>
-            <a:stCxn id="123" idx="2"/>
-            <a:endCxn id="129" idx="0"/>
-          </p:cNvCxnSpPr>
-          <p:nvPr/>
-        </p:nvCxnSpPr>
-        <p:spPr>
-          <a:xfrm rot="16200000" flipH="1">
-            <a:off x="2125854" y="2559244"/>
-            <a:ext cx="691184" cy="146341"/>
-          </a:xfrm>
-          <a:prstGeom prst="bentConnector3">
-            <a:avLst>
-              <a:gd name="adj1" fmla="val 40042"/>
-            </a:avLst>
-          </a:prstGeom>
-          <a:noFill/>
-          <a:ln w="9525" cap="flat" cmpd="sng">
-            <a:solidFill>
-              <a:schemeClr val="dk2"/>
-            </a:solidFill>
-            <a:prstDash val="solid"/>
-            <a:round/>
-            <a:headEnd type="none" w="med" len="med"/>
-            <a:tailEnd type="stealth" w="med" len="med"/>
-          </a:ln>
-        </p:spPr>
-      </p:cxnSp>
-      <p:cxnSp>
-        <p:nvCxnSpPr>
           <p:cNvPr id="20" name="Google Shape;127;g214e1b07047_1_0">
             <a:extLst>
               <a:ext uri="{FF2B5EF4-FFF2-40B4-BE49-F238E27FC236}">
@@ -11514,57 +11476,17 @@
           </p:cNvPr>
           <p:cNvCxnSpPr>
             <a:cxnSpLocks/>
-            <a:stCxn id="123" idx="2"/>
-            <a:endCxn id="130" idx="0"/>
+            <a:endCxn id="52" idx="0"/>
           </p:cNvCxnSpPr>
           <p:nvPr/>
         </p:nvCxnSpPr>
         <p:spPr>
-          <a:xfrm rot="16200000" flipH="1">
-            <a:off x="3322637" y="1362462"/>
-            <a:ext cx="555683" cy="2404404"/>
+          <a:xfrm>
+            <a:off x="2780223" y="2146874"/>
+            <a:ext cx="1254893" cy="369535"/>
           </a:xfrm>
-          <a:prstGeom prst="bentConnector3">
-            <a:avLst>
-              <a:gd name="adj1" fmla="val 50000"/>
-            </a:avLst>
-          </a:prstGeom>
-          <a:noFill/>
-          <a:ln w="9525" cap="flat" cmpd="sng">
-            <a:solidFill>
-              <a:schemeClr val="dk2"/>
-            </a:solidFill>
-            <a:prstDash val="solid"/>
-            <a:round/>
-            <a:headEnd type="none" w="med" len="med"/>
-            <a:tailEnd type="stealth" w="med" len="med"/>
-          </a:ln>
-        </p:spPr>
-      </p:cxnSp>
-      <p:cxnSp>
-        <p:nvCxnSpPr>
-          <p:cNvPr id="25" name="Google Shape;127;g214e1b07047_1_0">
-            <a:extLst>
-              <a:ext uri="{FF2B5EF4-FFF2-40B4-BE49-F238E27FC236}">
-                <a16:creationId xmlns:a16="http://schemas.microsoft.com/office/drawing/2014/main" id="{11FE870C-1309-DFC2-54FB-75358895FDC1}"/>
-              </a:ext>
-            </a:extLst>
-          </p:cNvPr>
-          <p:cNvCxnSpPr>
-            <a:cxnSpLocks/>
-            <a:stCxn id="126" idx="2"/>
-          </p:cNvCxnSpPr>
-          <p:nvPr/>
-        </p:nvCxnSpPr>
-        <p:spPr>
-          <a:xfrm rot="16200000" flipH="1">
-            <a:off x="5311210" y="2829522"/>
-            <a:ext cx="1180130" cy="247248"/>
-          </a:xfrm>
-          <a:prstGeom prst="bentConnector3">
-            <a:avLst>
-              <a:gd name="adj1" fmla="val 50000"/>
-            </a:avLst>
+          <a:prstGeom prst="bentConnector2">
+            <a:avLst/>
           </a:prstGeom>
           <a:noFill/>
           <a:ln w="9525" cap="flat" cmpd="sng">
@@ -11592,7 +11514,7 @@
         </p:nvSpPr>
         <p:spPr>
           <a:xfrm>
-            <a:off x="3932197" y="3552753"/>
+            <a:off x="3656478" y="3836529"/>
             <a:ext cx="837711" cy="403238"/>
           </a:xfrm>
           <a:prstGeom prst="roundRect">
@@ -11648,18 +11570,19 @@
           <p:cNvCxnSpPr>
             <a:cxnSpLocks/>
             <a:stCxn id="130" idx="2"/>
-            <a:endCxn id="30" idx="0"/>
+            <a:endCxn id="30" idx="3"/>
           </p:cNvCxnSpPr>
           <p:nvPr/>
         </p:nvCxnSpPr>
         <p:spPr>
-          <a:xfrm rot="5400000">
-            <a:off x="4423362" y="3173435"/>
-            <a:ext cx="307010" cy="451627"/>
+          <a:xfrm rot="5400000" flipH="1">
+            <a:off x="4703190" y="3829147"/>
+            <a:ext cx="215006" cy="633008"/>
           </a:xfrm>
-          <a:prstGeom prst="bentConnector3">
+          <a:prstGeom prst="bentConnector4">
             <a:avLst>
-              <a:gd name="adj1" fmla="val 50000"/>
+              <a:gd name="adj1" fmla="val -106323"/>
+              <a:gd name="adj2" fmla="val 76670"/>
             </a:avLst>
           </a:prstGeom>
           <a:noFill/>
@@ -11688,7 +11611,7 @@
         </p:nvSpPr>
         <p:spPr>
           <a:xfrm>
-            <a:off x="3932199" y="4175871"/>
+            <a:off x="3660125" y="4479920"/>
             <a:ext cx="837710" cy="403238"/>
           </a:xfrm>
           <a:prstGeom prst="roundRect">
@@ -11750,8 +11673,8 @@
         </p:nvCxnSpPr>
         <p:spPr>
           <a:xfrm rot="16200000" flipH="1">
-            <a:off x="4241113" y="4065930"/>
-            <a:ext cx="219880" cy="1"/>
+            <a:off x="3957081" y="4358020"/>
+            <a:ext cx="240153" cy="3646"/>
           </a:xfrm>
           <a:prstGeom prst="bentConnector3">
             <a:avLst>
@@ -11784,7 +11707,7 @@
         </p:nvSpPr>
         <p:spPr>
           <a:xfrm>
-            <a:off x="3932198" y="5457375"/>
+            <a:off x="3949142" y="5064561"/>
             <a:ext cx="837710" cy="403238"/>
           </a:xfrm>
           <a:prstGeom prst="roundRect">
@@ -11828,44 +11751,6 @@
           </a:p>
         </p:txBody>
       </p:sp>
-      <p:cxnSp>
-        <p:nvCxnSpPr>
-          <p:cNvPr id="62" name="Google Shape;127;g214e1b07047_1_0">
-            <a:extLst>
-              <a:ext uri="{FF2B5EF4-FFF2-40B4-BE49-F238E27FC236}">
-                <a16:creationId xmlns:a16="http://schemas.microsoft.com/office/drawing/2014/main" id="{2D49ABC6-3FAE-E434-39B5-2B6206B64517}"/>
-              </a:ext>
-            </a:extLst>
-          </p:cNvPr>
-          <p:cNvCxnSpPr>
-            <a:cxnSpLocks/>
-            <a:stCxn id="47" idx="2"/>
-            <a:endCxn id="61" idx="0"/>
-          </p:cNvCxnSpPr>
-          <p:nvPr/>
-        </p:nvCxnSpPr>
-        <p:spPr>
-          <a:xfrm rot="5400000">
-            <a:off x="3911921" y="5018242"/>
-            <a:ext cx="878266" cy="1"/>
-          </a:xfrm>
-          <a:prstGeom prst="bentConnector3">
-            <a:avLst>
-              <a:gd name="adj1" fmla="val 50000"/>
-            </a:avLst>
-          </a:prstGeom>
-          <a:noFill/>
-          <a:ln w="9525" cap="flat" cmpd="sng">
-            <a:solidFill>
-              <a:schemeClr val="dk2"/>
-            </a:solidFill>
-            <a:prstDash val="solid"/>
-            <a:round/>
-            <a:headEnd type="none" w="med" len="med"/>
-            <a:tailEnd type="stealth" w="med" len="med"/>
-          </a:ln>
-        </p:spPr>
-      </p:cxnSp>
       <p:sp>
         <p:nvSpPr>
           <p:cNvPr id="68" name="Google Shape;130;g214e1b07047_1_0">
@@ -11880,7 +11765,7 @@
         </p:nvSpPr>
         <p:spPr>
           <a:xfrm>
-            <a:off x="6865634" y="1386075"/>
+            <a:off x="7280278" y="1675539"/>
             <a:ext cx="971782" cy="403237"/>
           </a:xfrm>
           <a:prstGeom prst="roundRect">
@@ -11942,13 +11827,13 @@
         </p:nvCxnSpPr>
         <p:spPr>
           <a:xfrm flipV="1">
-            <a:off x="4769908" y="1386075"/>
-            <a:ext cx="2581617" cy="4272919"/>
+            <a:off x="4786852" y="1675539"/>
+            <a:ext cx="2979317" cy="3590641"/>
           </a:xfrm>
           <a:prstGeom prst="bentConnector4">
             <a:avLst>
-              <a:gd name="adj1" fmla="val 127662"/>
-              <a:gd name="adj2" fmla="val 105350"/>
+              <a:gd name="adj1" fmla="val 55046"/>
+              <a:gd name="adj2" fmla="val 106367"/>
             </a:avLst>
           </a:prstGeom>
           <a:noFill/>
@@ -11977,7 +11862,7 @@
         </p:nvSpPr>
         <p:spPr>
           <a:xfrm>
-            <a:off x="2268097" y="4722411"/>
+            <a:off x="2085081" y="3707532"/>
             <a:ext cx="837710" cy="403238"/>
           </a:xfrm>
           <a:prstGeom prst="roundRect">
@@ -12033,53 +11918,19 @@
           <p:cNvCxnSpPr>
             <a:cxnSpLocks/>
             <a:stCxn id="47" idx="1"/>
-            <a:endCxn id="80" idx="0"/>
+            <a:endCxn id="80" idx="3"/>
           </p:cNvCxnSpPr>
           <p:nvPr/>
         </p:nvCxnSpPr>
         <p:spPr>
-          <a:xfrm rot="10800000" flipV="1">
-            <a:off x="2686953" y="4377489"/>
-            <a:ext cx="1245247" cy="344921"/>
+          <a:xfrm rot="10800000">
+            <a:off x="2922791" y="3909151"/>
+            <a:ext cx="737334" cy="772388"/>
           </a:xfrm>
-          <a:prstGeom prst="bentConnector2">
-            <a:avLst/>
-          </a:prstGeom>
-          <a:noFill/>
-          <a:ln w="9525" cap="flat" cmpd="sng">
-            <a:solidFill>
-              <a:schemeClr val="dk2"/>
-            </a:solidFill>
-            <a:prstDash val="solid"/>
-            <a:round/>
-            <a:headEnd type="none" w="med" len="med"/>
-            <a:tailEnd type="stealth" w="med" len="med"/>
-          </a:ln>
-        </p:spPr>
-      </p:cxnSp>
-      <p:cxnSp>
-        <p:nvCxnSpPr>
-          <p:cNvPr id="91" name="Google Shape;127;g214e1b07047_1_0">
-            <a:extLst>
-              <a:ext uri="{FF2B5EF4-FFF2-40B4-BE49-F238E27FC236}">
-                <a16:creationId xmlns:a16="http://schemas.microsoft.com/office/drawing/2014/main" id="{4E4A2EC0-B1DB-C930-ED7C-5872D45E183B}"/>
-              </a:ext>
-            </a:extLst>
-          </p:cNvPr>
-          <p:cNvCxnSpPr>
-            <a:cxnSpLocks/>
-            <a:stCxn id="80" idx="2"/>
-            <a:endCxn id="61" idx="1"/>
-          </p:cNvCxnSpPr>
-          <p:nvPr/>
-        </p:nvCxnSpPr>
-        <p:spPr>
-          <a:xfrm rot="16200000" flipH="1">
-            <a:off x="3042903" y="4769698"/>
-            <a:ext cx="533345" cy="1245246"/>
-          </a:xfrm>
-          <a:prstGeom prst="bentConnector2">
-            <a:avLst/>
+          <a:prstGeom prst="bentConnector3">
+            <a:avLst>
+              <a:gd name="adj1" fmla="val 50000"/>
+            </a:avLst>
           </a:prstGeom>
           <a:noFill/>
           <a:ln w="9525" cap="flat" cmpd="sng">
@@ -12165,7 +12016,7 @@
         </p:nvSpPr>
         <p:spPr>
           <a:xfrm>
-            <a:off x="5154625" y="4483110"/>
+            <a:off x="1819102" y="4714223"/>
             <a:ext cx="1362372" cy="416456"/>
           </a:xfrm>
           <a:prstGeom prst="roundRect">
@@ -12223,7 +12074,7 @@
         </p:nvSpPr>
         <p:spPr>
           <a:xfrm>
-            <a:off x="5154625" y="5114197"/>
+            <a:off x="1935919" y="5538546"/>
             <a:ext cx="1116038" cy="403237"/>
           </a:xfrm>
           <a:prstGeom prst="roundRect">
@@ -12267,82 +12118,6 @@
           </a:p>
         </p:txBody>
       </p:sp>
-      <p:cxnSp>
-        <p:nvCxnSpPr>
-          <p:cNvPr id="135" name="Google Shape;127;g214e1b07047_1_0">
-            <a:extLst>
-              <a:ext uri="{FF2B5EF4-FFF2-40B4-BE49-F238E27FC236}">
-                <a16:creationId xmlns:a16="http://schemas.microsoft.com/office/drawing/2014/main" id="{242C98C6-7929-FFA1-83F1-0AB539127EB9}"/>
-              </a:ext>
-            </a:extLst>
-          </p:cNvPr>
-          <p:cNvCxnSpPr>
-            <a:cxnSpLocks/>
-            <a:stCxn id="80" idx="3"/>
-            <a:endCxn id="104" idx="1"/>
-          </p:cNvCxnSpPr>
-          <p:nvPr/>
-        </p:nvCxnSpPr>
-        <p:spPr>
-          <a:xfrm flipV="1">
-            <a:off x="3105807" y="4691338"/>
-            <a:ext cx="2048818" cy="232692"/>
-          </a:xfrm>
-          <a:prstGeom prst="bentConnector3">
-            <a:avLst>
-              <a:gd name="adj1" fmla="val 50000"/>
-            </a:avLst>
-          </a:prstGeom>
-          <a:noFill/>
-          <a:ln w="9525" cap="flat" cmpd="sng">
-            <a:solidFill>
-              <a:schemeClr val="dk2"/>
-            </a:solidFill>
-            <a:prstDash val="solid"/>
-            <a:round/>
-            <a:headEnd type="none" w="med" len="med"/>
-            <a:tailEnd type="stealth" w="med" len="med"/>
-          </a:ln>
-        </p:spPr>
-      </p:cxnSp>
-      <p:cxnSp>
-        <p:nvCxnSpPr>
-          <p:cNvPr id="138" name="Google Shape;127;g214e1b07047_1_0">
-            <a:extLst>
-              <a:ext uri="{FF2B5EF4-FFF2-40B4-BE49-F238E27FC236}">
-                <a16:creationId xmlns:a16="http://schemas.microsoft.com/office/drawing/2014/main" id="{E9E49EA1-075D-6427-5407-E85AC8404B07}"/>
-              </a:ext>
-            </a:extLst>
-          </p:cNvPr>
-          <p:cNvCxnSpPr>
-            <a:cxnSpLocks/>
-            <a:stCxn id="80" idx="3"/>
-            <a:endCxn id="134" idx="1"/>
-          </p:cNvCxnSpPr>
-          <p:nvPr/>
-        </p:nvCxnSpPr>
-        <p:spPr>
-          <a:xfrm>
-            <a:off x="3105807" y="4924030"/>
-            <a:ext cx="2048818" cy="391786"/>
-          </a:xfrm>
-          <a:prstGeom prst="bentConnector3">
-            <a:avLst>
-              <a:gd name="adj1" fmla="val 50000"/>
-            </a:avLst>
-          </a:prstGeom>
-          <a:noFill/>
-          <a:ln w="9525" cap="flat" cmpd="sng">
-            <a:solidFill>
-              <a:schemeClr val="dk2"/>
-            </a:solidFill>
-            <a:prstDash val="solid"/>
-            <a:round/>
-            <a:headEnd type="none" w="med" len="med"/>
-            <a:tailEnd type="stealth" w="med" len="med"/>
-          </a:ln>
-        </p:spPr>
-      </p:cxnSp>
       <p:sp>
         <p:nvSpPr>
           <p:cNvPr id="146" name="Google Shape;130;g214e1b07047_1_0">
@@ -12357,7 +12132,7 @@
         </p:nvSpPr>
         <p:spPr>
           <a:xfrm>
-            <a:off x="6866416" y="2309865"/>
+            <a:off x="7286630" y="2907055"/>
             <a:ext cx="971782" cy="403237"/>
           </a:xfrm>
           <a:prstGeom prst="roundRect">
@@ -12419,8 +12194,8 @@
         </p:nvCxnSpPr>
         <p:spPr>
           <a:xfrm rot="16200000" flipH="1">
-            <a:off x="7091640" y="2049197"/>
-            <a:ext cx="520553" cy="782"/>
+            <a:off x="7355206" y="2489739"/>
+            <a:ext cx="828279" cy="6352"/>
           </a:xfrm>
           <a:prstGeom prst="bentConnector3">
             <a:avLst>
@@ -12450,20 +12225,17 @@
           </p:cNvPr>
           <p:cNvCxnSpPr>
             <a:cxnSpLocks/>
-            <a:stCxn id="68" idx="1"/>
             <a:endCxn id="98" idx="3"/>
           </p:cNvCxnSpPr>
           <p:nvPr/>
         </p:nvCxnSpPr>
         <p:spPr>
-          <a:xfrm rot="10800000" flipV="1">
-            <a:off x="6508814" y="1587694"/>
-            <a:ext cx="356820" cy="4438090"/>
+          <a:xfrm rot="5400000">
+            <a:off x="5805192" y="4029750"/>
+            <a:ext cx="2699657" cy="1292411"/>
           </a:xfrm>
-          <a:prstGeom prst="bentConnector3">
-            <a:avLst>
-              <a:gd name="adj1" fmla="val 50000"/>
-            </a:avLst>
+          <a:prstGeom prst="bentConnector2">
+            <a:avLst/>
           </a:prstGeom>
           <a:noFill/>
           <a:ln w="9525" cap="flat" cmpd="sng">
@@ -12587,7 +12359,7 @@
         </p:nvSpPr>
         <p:spPr>
           <a:xfrm>
-            <a:off x="2178298" y="6144658"/>
+            <a:off x="2844928" y="6355258"/>
             <a:ext cx="1230406" cy="248975"/>
           </a:xfrm>
           <a:prstGeom prst="roundRect">
@@ -12631,46 +12403,6 @@
           </a:p>
         </p:txBody>
       </p:sp>
-      <p:cxnSp>
-        <p:nvCxnSpPr>
-          <p:cNvPr id="173" name="Google Shape;127;g214e1b07047_1_0">
-            <a:extLst>
-              <a:ext uri="{FF2B5EF4-FFF2-40B4-BE49-F238E27FC236}">
-                <a16:creationId xmlns:a16="http://schemas.microsoft.com/office/drawing/2014/main" id="{68B8F083-CADF-3DA7-B79C-0231425858B0}"/>
-              </a:ext>
-            </a:extLst>
-          </p:cNvPr>
-          <p:cNvCxnSpPr>
-            <a:cxnSpLocks/>
-            <a:stCxn id="98" idx="2"/>
-            <a:endCxn id="171" idx="0"/>
-          </p:cNvCxnSpPr>
-          <p:nvPr/>
-        </p:nvCxnSpPr>
-        <p:spPr>
-          <a:xfrm rot="5400000" flipH="1">
-            <a:off x="4181267" y="4756892"/>
-            <a:ext cx="5613" cy="2781146"/>
-          </a:xfrm>
-          <a:prstGeom prst="bentConnector5">
-            <a:avLst>
-              <a:gd name="adj1" fmla="val -4072688"/>
-              <a:gd name="adj2" fmla="val 55734"/>
-              <a:gd name="adj3" fmla="val 4172688"/>
-            </a:avLst>
-          </a:prstGeom>
-          <a:noFill/>
-          <a:ln w="9525" cap="flat" cmpd="sng">
-            <a:solidFill>
-              <a:schemeClr val="dk2"/>
-            </a:solidFill>
-            <a:prstDash val="solid"/>
-            <a:round/>
-            <a:headEnd type="none" w="med" len="med"/>
-            <a:tailEnd type="stealth" w="med" len="med"/>
-          </a:ln>
-        </p:spPr>
-      </p:cxnSp>
       <p:sp>
         <p:nvSpPr>
           <p:cNvPr id="223" name="Google Shape;130;g214e1b07047_1_0">
@@ -12779,7 +12511,7 @@
         </p:nvSpPr>
         <p:spPr>
           <a:xfrm>
-            <a:off x="11010030" y="5392321"/>
+            <a:off x="10985730" y="3653326"/>
             <a:ext cx="780411" cy="430887"/>
           </a:xfrm>
           <a:prstGeom prst="rect">
@@ -12817,18 +12549,20 @@
           </p:cNvPr>
           <p:cNvCxnSpPr>
             <a:cxnSpLocks/>
-            <a:stCxn id="223" idx="2"/>
+            <a:stCxn id="171" idx="1"/>
             <a:endCxn id="121" idx="6"/>
           </p:cNvCxnSpPr>
           <p:nvPr/>
         </p:nvCxnSpPr>
         <p:spPr>
-          <a:xfrm rot="5400000">
-            <a:off x="5333588" y="778739"/>
-            <a:ext cx="1658085" cy="9722582"/>
+          <a:xfrm rot="10800000">
+            <a:off x="1301340" y="6469074"/>
+            <a:ext cx="1543589" cy="10673"/>
           </a:xfrm>
-          <a:prstGeom prst="bentConnector2">
-            <a:avLst/>
+          <a:prstGeom prst="bentConnector3">
+            <a:avLst>
+              <a:gd name="adj1" fmla="val 50000"/>
+            </a:avLst>
           </a:prstGeom>
           <a:noFill/>
           <a:ln w="9525" cap="flat" cmpd="sng">
@@ -12860,8 +12594,8 @@
         </p:nvCxnSpPr>
         <p:spPr>
           <a:xfrm rot="10800000" flipV="1">
-            <a:off x="3408704" y="4595544"/>
-            <a:ext cx="6966598" cy="1673601"/>
+            <a:off x="4075334" y="4595544"/>
+            <a:ext cx="6299968" cy="1884201"/>
           </a:xfrm>
           <a:prstGeom prst="bentConnector3">
             <a:avLst>
@@ -12917,28 +12651,423 @@
       </p:sp>
       <p:cxnSp>
         <p:nvCxnSpPr>
-          <p:cNvPr id="332" name="Google Shape;127;g214e1b07047_1_0">
+          <p:cNvPr id="18" name="Google Shape;127;g214e1b07047_1_0">
             <a:extLst>
               <a:ext uri="{FF2B5EF4-FFF2-40B4-BE49-F238E27FC236}">
-                <a16:creationId xmlns:a16="http://schemas.microsoft.com/office/drawing/2014/main" id="{C02E255F-4B74-6BEB-8DF1-FB998CF631D5}"/>
+                <a16:creationId xmlns:a16="http://schemas.microsoft.com/office/drawing/2014/main" id="{DB76AD85-5440-8318-30F7-E657AB00EC66}"/>
               </a:ext>
             </a:extLst>
           </p:cNvPr>
           <p:cNvCxnSpPr>
             <a:cxnSpLocks/>
-            <a:stCxn id="126" idx="2"/>
+            <a:stCxn id="134" idx="3"/>
+            <a:endCxn id="61" idx="1"/>
+          </p:cNvCxnSpPr>
+          <p:nvPr/>
+        </p:nvCxnSpPr>
+        <p:spPr>
+          <a:xfrm flipV="1">
+            <a:off x="3051957" y="5266180"/>
+            <a:ext cx="897185" cy="473985"/>
+          </a:xfrm>
+          <a:prstGeom prst="bentConnector3">
+            <a:avLst>
+              <a:gd name="adj1" fmla="val 50000"/>
+            </a:avLst>
+          </a:prstGeom>
+          <a:noFill/>
+          <a:ln w="9525" cap="flat" cmpd="sng">
+            <a:solidFill>
+              <a:schemeClr val="dk2"/>
+            </a:solidFill>
+            <a:prstDash val="solid"/>
+            <a:round/>
+            <a:headEnd type="none" w="med" len="med"/>
+            <a:tailEnd type="stealth" w="med" len="med"/>
+          </a:ln>
+        </p:spPr>
+      </p:cxnSp>
+      <p:sp>
+        <p:nvSpPr>
+          <p:cNvPr id="52" name="Rectangle 51">
+            <a:extLst>
+              <a:ext uri="{FF2B5EF4-FFF2-40B4-BE49-F238E27FC236}">
+                <a16:creationId xmlns:a16="http://schemas.microsoft.com/office/drawing/2014/main" id="{3097EC57-EB42-5527-D5E1-5C5C9EEA9158}"/>
+              </a:ext>
+            </a:extLst>
+          </p:cNvPr>
+          <p:cNvSpPr/>
+          <p:nvPr/>
+        </p:nvSpPr>
+        <p:spPr>
+          <a:xfrm>
+            <a:off x="2141379" y="2516409"/>
+            <a:ext cx="3787473" cy="48255"/>
+          </a:xfrm>
+          <a:prstGeom prst="rect">
+            <a:avLst/>
+          </a:prstGeom>
+          <a:solidFill>
+            <a:schemeClr val="accent4">
+              <a:lumMod val="40000"/>
+              <a:lumOff val="60000"/>
+            </a:schemeClr>
+          </a:solidFill>
+        </p:spPr>
+        <p:style>
+          <a:lnRef idx="2">
+            <a:schemeClr val="accent1">
+              <a:shade val="50000"/>
+            </a:schemeClr>
+          </a:lnRef>
+          <a:fillRef idx="1">
+            <a:schemeClr val="accent1"/>
+          </a:fillRef>
+          <a:effectRef idx="0">
+            <a:schemeClr val="accent1"/>
+          </a:effectRef>
+          <a:fontRef idx="minor">
+            <a:schemeClr val="lt1"/>
+          </a:fontRef>
+        </p:style>
+        <p:txBody>
+          <a:bodyPr rtlCol="0" anchor="ctr"/>
+          <a:lstStyle/>
+          <a:p>
+            <a:pPr algn="ctr"/>
+            <a:endParaRPr lang="en-IN"/>
+          </a:p>
+        </p:txBody>
+      </p:sp>
+      <p:cxnSp>
+        <p:nvCxnSpPr>
+          <p:cNvPr id="79" name="Google Shape;127;g214e1b07047_1_0">
+            <a:extLst>
+              <a:ext uri="{FF2B5EF4-FFF2-40B4-BE49-F238E27FC236}">
+                <a16:creationId xmlns:a16="http://schemas.microsoft.com/office/drawing/2014/main" id="{0682C2EB-C179-1AC8-174B-11BC919B1DE2}"/>
+              </a:ext>
+            </a:extLst>
+          </p:cNvPr>
+          <p:cNvCxnSpPr>
+            <a:cxnSpLocks/>
+            <a:stCxn id="104" idx="2"/>
+            <a:endCxn id="134" idx="0"/>
+          </p:cNvCxnSpPr>
+          <p:nvPr/>
+        </p:nvCxnSpPr>
+        <p:spPr>
+          <a:xfrm rot="5400000">
+            <a:off x="2293180" y="5331437"/>
+            <a:ext cx="407867" cy="6350"/>
+          </a:xfrm>
+          <a:prstGeom prst="bentConnector3">
+            <a:avLst>
+              <a:gd name="adj1" fmla="val 50000"/>
+            </a:avLst>
+          </a:prstGeom>
+          <a:noFill/>
+          <a:ln w="9525" cap="flat" cmpd="sng">
+            <a:solidFill>
+              <a:schemeClr val="dk2"/>
+            </a:solidFill>
+            <a:prstDash val="solid"/>
+            <a:round/>
+            <a:headEnd type="none" w="med" len="med"/>
+            <a:tailEnd type="stealth" w="med" len="med"/>
+          </a:ln>
+        </p:spPr>
+      </p:cxnSp>
+      <p:sp>
+        <p:nvSpPr>
+          <p:cNvPr id="100" name="Rectangle 99">
+            <a:extLst>
+              <a:ext uri="{FF2B5EF4-FFF2-40B4-BE49-F238E27FC236}">
+                <a16:creationId xmlns:a16="http://schemas.microsoft.com/office/drawing/2014/main" id="{DE061B6B-09E7-7078-E8D9-7F017109AF01}"/>
+              </a:ext>
+            </a:extLst>
+          </p:cNvPr>
+          <p:cNvSpPr/>
+          <p:nvPr/>
+        </p:nvSpPr>
+        <p:spPr>
+          <a:xfrm flipV="1">
+            <a:off x="3294917" y="3483860"/>
+            <a:ext cx="1440772" cy="45719"/>
+          </a:xfrm>
+          <a:prstGeom prst="rect">
+            <a:avLst/>
+          </a:prstGeom>
+          <a:solidFill>
+            <a:schemeClr val="accent4">
+              <a:lumMod val="40000"/>
+              <a:lumOff val="60000"/>
+            </a:schemeClr>
+          </a:solidFill>
+        </p:spPr>
+        <p:style>
+          <a:lnRef idx="2">
+            <a:schemeClr val="accent1">
+              <a:shade val="50000"/>
+            </a:schemeClr>
+          </a:lnRef>
+          <a:fillRef idx="1">
+            <a:schemeClr val="accent1"/>
+          </a:fillRef>
+          <a:effectRef idx="0">
+            <a:schemeClr val="accent1"/>
+          </a:effectRef>
+          <a:fontRef idx="minor">
+            <a:schemeClr val="lt1"/>
+          </a:fontRef>
+        </p:style>
+        <p:txBody>
+          <a:bodyPr rtlCol="0" anchor="ctr"/>
+          <a:lstStyle/>
+          <a:p>
+            <a:pPr algn="ctr"/>
+            <a:endParaRPr lang="en-IN"/>
+          </a:p>
+        </p:txBody>
+      </p:sp>
+      <p:cxnSp>
+        <p:nvCxnSpPr>
+          <p:cNvPr id="101" name="Google Shape;127;g214e1b07047_1_0">
+            <a:extLst>
+              <a:ext uri="{FF2B5EF4-FFF2-40B4-BE49-F238E27FC236}">
+                <a16:creationId xmlns:a16="http://schemas.microsoft.com/office/drawing/2014/main" id="{8B7F2D66-8A69-FAB8-3674-18131C91E1E7}"/>
+              </a:ext>
+            </a:extLst>
+          </p:cNvPr>
+          <p:cNvCxnSpPr>
+            <a:cxnSpLocks/>
+            <a:stCxn id="129" idx="3"/>
+            <a:endCxn id="100" idx="2"/>
+          </p:cNvCxnSpPr>
+          <p:nvPr/>
+        </p:nvCxnSpPr>
+        <p:spPr>
+          <a:xfrm>
+            <a:off x="2799315" y="3191574"/>
+            <a:ext cx="1215988" cy="292286"/>
+          </a:xfrm>
+          <a:prstGeom prst="bentConnector2">
+            <a:avLst/>
+          </a:prstGeom>
+          <a:noFill/>
+          <a:ln w="9525" cap="flat" cmpd="sng">
+            <a:solidFill>
+              <a:schemeClr val="dk2"/>
+            </a:solidFill>
+            <a:prstDash val="solid"/>
+            <a:round/>
+            <a:headEnd type="none" w="med" len="med"/>
+            <a:tailEnd type="stealth" w="med" len="med"/>
+          </a:ln>
+        </p:spPr>
+      </p:cxnSp>
+      <p:cxnSp>
+        <p:nvCxnSpPr>
+          <p:cNvPr id="109" name="Google Shape;127;g214e1b07047_1_0">
+            <a:extLst>
+              <a:ext uri="{FF2B5EF4-FFF2-40B4-BE49-F238E27FC236}">
+                <a16:creationId xmlns:a16="http://schemas.microsoft.com/office/drawing/2014/main" id="{0C73918A-428E-DF64-9CF6-417D96FA7255}"/>
+              </a:ext>
+            </a:extLst>
+          </p:cNvPr>
+          <p:cNvCxnSpPr>
+            <a:cxnSpLocks/>
+            <a:stCxn id="100" idx="0"/>
             <a:endCxn id="130" idx="0"/>
           </p:cNvCxnSpPr>
           <p:nvPr/>
         </p:nvCxnSpPr>
         <p:spPr>
-          <a:xfrm rot="5400000">
-            <a:off x="5050454" y="2115308"/>
-            <a:ext cx="479425" cy="974971"/>
+          <a:xfrm rot="16200000" flipH="1">
+            <a:off x="4411081" y="3133801"/>
+            <a:ext cx="320338" cy="1111894"/>
           </a:xfrm>
           <a:prstGeom prst="bentConnector3">
             <a:avLst>
-              <a:gd name="adj1" fmla="val 41840"/>
+              <a:gd name="adj1" fmla="val 50000"/>
+            </a:avLst>
+          </a:prstGeom>
+          <a:noFill/>
+          <a:ln w="9525" cap="flat" cmpd="sng">
+            <a:solidFill>
+              <a:schemeClr val="dk2"/>
+            </a:solidFill>
+            <a:prstDash val="solid"/>
+            <a:round/>
+            <a:headEnd type="none" w="med" len="med"/>
+            <a:tailEnd type="stealth" w="med" len="med"/>
+          </a:ln>
+        </p:spPr>
+      </p:cxnSp>
+      <p:cxnSp>
+        <p:nvCxnSpPr>
+          <p:cNvPr id="160" name="Google Shape;127;g214e1b07047_1_0">
+            <a:extLst>
+              <a:ext uri="{FF2B5EF4-FFF2-40B4-BE49-F238E27FC236}">
+                <a16:creationId xmlns:a16="http://schemas.microsoft.com/office/drawing/2014/main" id="{ED163156-2A4D-436B-252D-F01F915AC85A}"/>
+              </a:ext>
+            </a:extLst>
+          </p:cNvPr>
+          <p:cNvCxnSpPr>
+            <a:cxnSpLocks/>
+          </p:cNvCxnSpPr>
+          <p:nvPr/>
+        </p:nvCxnSpPr>
+        <p:spPr>
+          <a:xfrm rot="10800000" flipV="1">
+            <a:off x="4015304" y="3194722"/>
+            <a:ext cx="1173321" cy="272005"/>
+          </a:xfrm>
+          <a:prstGeom prst="bentConnector2">
+            <a:avLst/>
+          </a:prstGeom>
+          <a:noFill/>
+          <a:ln w="9525" cap="flat" cmpd="sng">
+            <a:solidFill>
+              <a:schemeClr val="dk2"/>
+            </a:solidFill>
+            <a:prstDash val="solid"/>
+            <a:round/>
+            <a:headEnd type="none" w="med" len="med"/>
+            <a:tailEnd type="stealth" w="med" len="med"/>
+          </a:ln>
+        </p:spPr>
+      </p:cxnSp>
+      <p:cxnSp>
+        <p:nvCxnSpPr>
+          <p:cNvPr id="177" name="Google Shape;127;g214e1b07047_1_0">
+            <a:extLst>
+              <a:ext uri="{FF2B5EF4-FFF2-40B4-BE49-F238E27FC236}">
+                <a16:creationId xmlns:a16="http://schemas.microsoft.com/office/drawing/2014/main" id="{77EA2AD6-6D63-7252-C7E7-4C4E3417EBC0}"/>
+              </a:ext>
+            </a:extLst>
+          </p:cNvPr>
+          <p:cNvCxnSpPr>
+            <a:cxnSpLocks/>
+          </p:cNvCxnSpPr>
+          <p:nvPr/>
+        </p:nvCxnSpPr>
+        <p:spPr>
+          <a:xfrm rot="10800000" flipV="1">
+            <a:off x="4035116" y="2145021"/>
+            <a:ext cx="1302388" cy="361556"/>
+          </a:xfrm>
+          <a:prstGeom prst="bentConnector2">
+            <a:avLst/>
+          </a:prstGeom>
+          <a:noFill/>
+          <a:ln w="9525" cap="flat" cmpd="sng">
+            <a:solidFill>
+              <a:schemeClr val="dk2"/>
+            </a:solidFill>
+            <a:prstDash val="solid"/>
+            <a:round/>
+            <a:headEnd type="none" w="med" len="med"/>
+            <a:tailEnd type="stealth" w="med" len="med"/>
+          </a:ln>
+        </p:spPr>
+      </p:cxnSp>
+      <p:cxnSp>
+        <p:nvCxnSpPr>
+          <p:cNvPr id="180" name="Google Shape;127;g214e1b07047_1_0">
+            <a:extLst>
+              <a:ext uri="{FF2B5EF4-FFF2-40B4-BE49-F238E27FC236}">
+                <a16:creationId xmlns:a16="http://schemas.microsoft.com/office/drawing/2014/main" id="{DB655A50-D73A-F807-4F5B-82D75743CEAF}"/>
+              </a:ext>
+            </a:extLst>
+          </p:cNvPr>
+          <p:cNvCxnSpPr>
+            <a:cxnSpLocks/>
+            <a:endCxn id="129" idx="0"/>
+          </p:cNvCxnSpPr>
+          <p:nvPr/>
+        </p:nvCxnSpPr>
+        <p:spPr>
+          <a:xfrm rot="16200000" flipH="1">
+            <a:off x="2183431" y="2777308"/>
+            <a:ext cx="425292" cy="2"/>
+          </a:xfrm>
+          <a:prstGeom prst="bentConnector3">
+            <a:avLst>
+              <a:gd name="adj1" fmla="val 50000"/>
+            </a:avLst>
+          </a:prstGeom>
+          <a:noFill/>
+          <a:ln w="9525" cap="flat" cmpd="sng">
+            <a:solidFill>
+              <a:schemeClr val="dk2"/>
+            </a:solidFill>
+            <a:prstDash val="solid"/>
+            <a:round/>
+            <a:headEnd type="none" w="med" len="med"/>
+            <a:tailEnd type="stealth" w="med" len="med"/>
+          </a:ln>
+        </p:spPr>
+      </p:cxnSp>
+      <p:cxnSp>
+        <p:nvCxnSpPr>
+          <p:cNvPr id="183" name="Google Shape;127;g214e1b07047_1_0">
+            <a:extLst>
+              <a:ext uri="{FF2B5EF4-FFF2-40B4-BE49-F238E27FC236}">
+                <a16:creationId xmlns:a16="http://schemas.microsoft.com/office/drawing/2014/main" id="{64B0B06F-9C87-FD7B-B0F2-464D527DDFBF}"/>
+              </a:ext>
+            </a:extLst>
+          </p:cNvPr>
+          <p:cNvCxnSpPr>
+            <a:cxnSpLocks/>
+          </p:cNvCxnSpPr>
+          <p:nvPr/>
+        </p:nvCxnSpPr>
+        <p:spPr>
+          <a:xfrm rot="16200000" flipH="1">
+            <a:off x="5452662" y="2782228"/>
+            <a:ext cx="425292" cy="2"/>
+          </a:xfrm>
+          <a:prstGeom prst="bentConnector3">
+            <a:avLst>
+              <a:gd name="adj1" fmla="val 50000"/>
+            </a:avLst>
+          </a:prstGeom>
+          <a:noFill/>
+          <a:ln w="9525" cap="flat" cmpd="sng">
+            <a:solidFill>
+              <a:schemeClr val="dk2"/>
+            </a:solidFill>
+            <a:prstDash val="solid"/>
+            <a:round/>
+            <a:headEnd type="none" w="med" len="med"/>
+            <a:tailEnd type="stealth" w="med" len="med"/>
+          </a:ln>
+        </p:spPr>
+      </p:cxnSp>
+      <p:cxnSp>
+        <p:nvCxnSpPr>
+          <p:cNvPr id="184" name="Google Shape;127;g214e1b07047_1_0">
+            <a:extLst>
+              <a:ext uri="{FF2B5EF4-FFF2-40B4-BE49-F238E27FC236}">
+                <a16:creationId xmlns:a16="http://schemas.microsoft.com/office/drawing/2014/main" id="{38DDB1C2-ACC6-4778-DE7E-543BEF664CEB}"/>
+              </a:ext>
+            </a:extLst>
+          </p:cNvPr>
+          <p:cNvCxnSpPr>
+            <a:cxnSpLocks/>
+            <a:stCxn id="80" idx="2"/>
+            <a:endCxn id="104" idx="0"/>
+          </p:cNvCxnSpPr>
+          <p:nvPr/>
+        </p:nvCxnSpPr>
+        <p:spPr>
+          <a:xfrm rot="5400000">
+            <a:off x="2200386" y="4410672"/>
+            <a:ext cx="603453" cy="3648"/>
+          </a:xfrm>
+          <a:prstGeom prst="bentConnector3">
+            <a:avLst>
+              <a:gd name="adj1" fmla="val 50000"/>
             </a:avLst>
           </a:prstGeom>
           <a:noFill/>

--- a/CircularPie/Final Presentation/9. ActivityDiagram-(UML).pptx
+++ b/CircularPie/Final Presentation/9. ActivityDiagram-(UML).pptx
@@ -246,7 +246,7 @@
       <p15:sldGuideLst xmlns:p15="http://schemas.microsoft.com/office/powerpoint/2012/main"/>
     </p:ext>
     <p:ext uri="http://customooxmlschemas.google.com/">
-      <go:slidesCustomData xmlns:go="http://customooxmlschemas.google.com/" xmlns:ahyp="http://schemas.microsoft.com/office/drawing/2018/hyperlinkcolor" xmlns:p15="http://schemas.microsoft.com/office/powerpoint/2012/main" xmlns:p14="http://schemas.microsoft.com/office/powerpoint/2010/main" xmlns:com="http://schemas.openxmlformats.org/drawingml/2006/compatibility" xmlns:pvml="urn:schemas-microsoft-com:office:powerpoint" xmlns:v="urn:schemas-microsoft-com:vml" xmlns:o="urn:schemas-microsoft-com:office:office" xmlns:dgm="http://schemas.openxmlformats.org/drawingml/2006/diagram" xmlns:c="http://schemas.openxmlformats.org/drawingml/2006/chart" xmlns:mv="urn:schemas-microsoft-com:mac:vml" xmlns:mc="http://schemas.openxmlformats.org/markup-compatibility/2006" xmlns="" r:id="rId8" roundtripDataSignature="AMtx7mixxSev4a8vdbEfGmMDr6YJQZvoaw=="/>
+      <go:slidesCustomData xmlns="" xmlns:mc="http://schemas.openxmlformats.org/markup-compatibility/2006" xmlns:mv="urn:schemas-microsoft-com:mac:vml" xmlns:c="http://schemas.openxmlformats.org/drawingml/2006/chart" xmlns:dgm="http://schemas.openxmlformats.org/drawingml/2006/diagram" xmlns:o="urn:schemas-microsoft-com:office:office" xmlns:v="urn:schemas-microsoft-com:vml" xmlns:pvml="urn:schemas-microsoft-com:office:powerpoint" xmlns:com="http://schemas.openxmlformats.org/drawingml/2006/compatibility" xmlns:p14="http://schemas.microsoft.com/office/powerpoint/2010/main" xmlns:p15="http://schemas.microsoft.com/office/powerpoint/2012/main" xmlns:ahyp="http://schemas.microsoft.com/office/drawing/2018/hyperlinkcolor" xmlns:go="http://customooxmlschemas.google.com/" r:id="rId8" roundtripDataSignature="AMtx7mixxSev4a8vdbEfGmMDr6YJQZvoaw=="/>
     </p:ext>
   </p:extLst>
 </p:presentation>
@@ -12587,20 +12587,18 @@
           </p:cNvPr>
           <p:cNvCxnSpPr>
             <a:cxnSpLocks/>
-            <a:stCxn id="223" idx="1"/>
+            <a:stCxn id="223" idx="2"/>
             <a:endCxn id="171" idx="3"/>
           </p:cNvCxnSpPr>
           <p:nvPr/>
         </p:nvCxnSpPr>
         <p:spPr>
-          <a:xfrm rot="10800000" flipV="1">
-            <a:off x="4075334" y="4595544"/>
-            <a:ext cx="6299968" cy="1884201"/>
+          <a:xfrm rot="5400000">
+            <a:off x="6715249" y="2171074"/>
+            <a:ext cx="1668758" cy="6948587"/>
           </a:xfrm>
-          <a:prstGeom prst="bentConnector3">
-            <a:avLst>
-              <a:gd name="adj1" fmla="val 50000"/>
-            </a:avLst>
+          <a:prstGeom prst="bentConnector2">
+            <a:avLst/>
           </a:prstGeom>
           <a:noFill/>
           <a:ln w="9525" cap="flat" cmpd="sng">
